--- a/docs/diagrams/UndoRedoSequenceDiagram.pptx
+++ b/docs/diagrams/UndoRedoSequenceDiagram.pptx
@@ -126,10 +126,6 @@
 </p:presentation>
 </file>
 
-<file path=ppt/revisionInfo.xml><?xml version="1.0" encoding="utf-8"?>
-<p1510:revInfo xmlns:a="http://schemas.openxmlformats.org/drawingml/2006/main" xmlns:r="http://schemas.openxmlformats.org/officeDocument/2006/relationships" xmlns:p1510="http://schemas.microsoft.com/office/powerpoint/2015/10/main"/>
-</file>
-
 <file path=ppt/notesMasters/notesMaster1.xml><?xml version="1.0" encoding="utf-8"?>
 <p:notesMaster xmlns:a="http://schemas.openxmlformats.org/drawingml/2006/main" xmlns:r="http://schemas.openxmlformats.org/officeDocument/2006/relationships" xmlns:p="http://schemas.openxmlformats.org/presentationml/2006/main">
   <p:cSld>
@@ -212,7 +208,7 @@
           <a:p>
             <a:fld id="{F5CC4B3F-88C1-4FFA-B1B6-F41C21DC6924}" type="datetimeFigureOut">
               <a:rPr lang="en-US" smtClean="0"/>
-              <a:t>7/6/2018</a:t>
+              <a:t>11/11/18</a:t>
             </a:fld>
             <a:endParaRPr lang="en-US"/>
           </a:p>
@@ -658,7 +654,7 @@
           <a:p>
             <a:fld id="{78C97017-6FC3-485B-9764-EAC9E56C1D49}" type="datetimeFigureOut">
               <a:rPr lang="en-US" smtClean="0"/>
-              <a:t>7/6/2018</a:t>
+              <a:t>11/11/18</a:t>
             </a:fld>
             <a:endParaRPr lang="en-US"/>
           </a:p>
@@ -826,7 +822,7 @@
           <a:p>
             <a:fld id="{78C97017-6FC3-485B-9764-EAC9E56C1D49}" type="datetimeFigureOut">
               <a:rPr lang="en-US" smtClean="0"/>
-              <a:t>7/6/2018</a:t>
+              <a:t>11/11/18</a:t>
             </a:fld>
             <a:endParaRPr lang="en-US"/>
           </a:p>
@@ -1004,7 +1000,7 @@
           <a:p>
             <a:fld id="{78C97017-6FC3-485B-9764-EAC9E56C1D49}" type="datetimeFigureOut">
               <a:rPr lang="en-US" smtClean="0"/>
-              <a:t>7/6/2018</a:t>
+              <a:t>11/11/18</a:t>
             </a:fld>
             <a:endParaRPr lang="en-US"/>
           </a:p>
@@ -1172,7 +1168,7 @@
           <a:p>
             <a:fld id="{78C97017-6FC3-485B-9764-EAC9E56C1D49}" type="datetimeFigureOut">
               <a:rPr lang="en-US" smtClean="0"/>
-              <a:t>7/6/2018</a:t>
+              <a:t>11/11/18</a:t>
             </a:fld>
             <a:endParaRPr lang="en-US"/>
           </a:p>
@@ -1417,7 +1413,7 @@
           <a:p>
             <a:fld id="{78C97017-6FC3-485B-9764-EAC9E56C1D49}" type="datetimeFigureOut">
               <a:rPr lang="en-US" smtClean="0"/>
-              <a:t>7/6/2018</a:t>
+              <a:t>11/11/18</a:t>
             </a:fld>
             <a:endParaRPr lang="en-US"/>
           </a:p>
@@ -1702,7 +1698,7 @@
           <a:p>
             <a:fld id="{78C97017-6FC3-485B-9764-EAC9E56C1D49}" type="datetimeFigureOut">
               <a:rPr lang="en-US" smtClean="0"/>
-              <a:t>7/6/2018</a:t>
+              <a:t>11/11/18</a:t>
             </a:fld>
             <a:endParaRPr lang="en-US"/>
           </a:p>
@@ -2121,7 +2117,7 @@
           <a:p>
             <a:fld id="{78C97017-6FC3-485B-9764-EAC9E56C1D49}" type="datetimeFigureOut">
               <a:rPr lang="en-US" smtClean="0"/>
-              <a:t>7/6/2018</a:t>
+              <a:t>11/11/18</a:t>
             </a:fld>
             <a:endParaRPr lang="en-US"/>
           </a:p>
@@ -2238,7 +2234,7 @@
           <a:p>
             <a:fld id="{78C97017-6FC3-485B-9764-EAC9E56C1D49}" type="datetimeFigureOut">
               <a:rPr lang="en-US" smtClean="0"/>
-              <a:t>7/6/2018</a:t>
+              <a:t>11/11/18</a:t>
             </a:fld>
             <a:endParaRPr lang="en-US"/>
           </a:p>
@@ -2333,7 +2329,7 @@
           <a:p>
             <a:fld id="{78C97017-6FC3-485B-9764-EAC9E56C1D49}" type="datetimeFigureOut">
               <a:rPr lang="en-US" smtClean="0"/>
-              <a:t>7/6/2018</a:t>
+              <a:t>11/11/18</a:t>
             </a:fld>
             <a:endParaRPr lang="en-US"/>
           </a:p>
@@ -2608,7 +2604,7 @@
           <a:p>
             <a:fld id="{78C97017-6FC3-485B-9764-EAC9E56C1D49}" type="datetimeFigureOut">
               <a:rPr lang="en-US" smtClean="0"/>
-              <a:t>7/6/2018</a:t>
+              <a:t>11/11/18</a:t>
             </a:fld>
             <a:endParaRPr lang="en-US"/>
           </a:p>
@@ -2860,7 +2856,7 @@
           <a:p>
             <a:fld id="{78C97017-6FC3-485B-9764-EAC9E56C1D49}" type="datetimeFigureOut">
               <a:rPr lang="en-US" smtClean="0"/>
-              <a:t>7/6/2018</a:t>
+              <a:t>11/11/18</a:t>
             </a:fld>
             <a:endParaRPr lang="en-US"/>
           </a:p>
@@ -3071,7 +3067,7 @@
           <a:p>
             <a:fld id="{78C97017-6FC3-485B-9764-EAC9E56C1D49}" type="datetimeFigureOut">
               <a:rPr lang="en-US" smtClean="0"/>
-              <a:t>7/6/2018</a:t>
+              <a:t>11/11/18</a:t>
             </a:fld>
             <a:endParaRPr lang="en-US"/>
           </a:p>
@@ -3729,8 +3725,8 @@
         </p:nvSpPr>
         <p:spPr>
           <a:xfrm>
-            <a:off x="3437188" y="423022"/>
-            <a:ext cx="1219200" cy="467684"/>
+            <a:off x="3278015" y="423022"/>
+            <a:ext cx="1598785" cy="467684"/>
           </a:xfrm>
           <a:prstGeom prst="rect">
             <a:avLst/>
@@ -3770,18 +3766,31 @@
                   <a:schemeClr val="bg1"/>
                 </a:solidFill>
               </a:rPr>
-              <a:t>:Address</a:t>
-            </a:r>
-          </a:p>
-          <a:p>
-            <a:pPr algn="ctr"/>
+              <a:t>:</a:t>
+            </a:r>
             <a:r>
               <a:rPr lang="en-US" sz="1600" dirty="0" err="1">
                 <a:solidFill>
                   <a:schemeClr val="bg1"/>
                 </a:solidFill>
               </a:rPr>
-              <a:t>BookParser</a:t>
+              <a:t>ModulePlanner</a:t>
+            </a:r>
+            <a:endParaRPr lang="en-US" sz="1600" dirty="0">
+              <a:solidFill>
+                <a:schemeClr val="bg1"/>
+              </a:solidFill>
+            </a:endParaRPr>
+          </a:p>
+          <a:p>
+            <a:pPr algn="ctr"/>
+            <a:r>
+              <a:rPr lang="en-US" sz="1600" dirty="0">
+                <a:solidFill>
+                  <a:schemeClr val="bg1"/>
+                </a:solidFill>
+              </a:rPr>
+              <a:t>Parser</a:t>
             </a:r>
             <a:endParaRPr lang="en-SG" sz="1600" dirty="0">
               <a:solidFill>
@@ -4286,7 +4295,7 @@
         </p:nvSpPr>
         <p:spPr>
           <a:xfrm>
-            <a:off x="5651548" y="2748246"/>
+            <a:off x="5751840" y="2705048"/>
             <a:ext cx="1298078" cy="184666"/>
           </a:xfrm>
           <a:prstGeom prst="rect">
@@ -4327,15 +4336,7 @@
                   <a:srgbClr val="7030A0"/>
                 </a:solidFill>
               </a:rPr>
-              <a:t>AddressBook</a:t>
-            </a:r>
-            <a:r>
-              <a:rPr lang="en-US" sz="1200" dirty="0">
-                <a:solidFill>
-                  <a:srgbClr val="7030A0"/>
-                </a:solidFill>
-              </a:rPr>
-              <a:t>()</a:t>
+              <a:t>ModulePlanner</a:t>
             </a:r>
             <a:endParaRPr lang="en-US" sz="1200" dirty="0"/>
           </a:p>
@@ -4473,8 +4474,8 @@
         </p:nvSpPr>
         <p:spPr>
           <a:xfrm>
-            <a:off x="7497155" y="2568606"/>
-            <a:ext cx="2181777" cy="335427"/>
+            <a:off x="7694947" y="2568606"/>
+            <a:ext cx="2393009" cy="335427"/>
           </a:xfrm>
           <a:prstGeom prst="rect">
             <a:avLst/>
@@ -4522,7 +4523,7 @@
                   <a:schemeClr val="bg1"/>
                 </a:solidFill>
               </a:rPr>
-              <a:t>VersionedAddressBook</a:t>
+              <a:t>VersionedModulePlanner</a:t>
             </a:r>
             <a:endParaRPr lang="en-SG" sz="1600" dirty="0">
               <a:solidFill>
@@ -4627,7 +4628,7 @@
         </p:nvSpPr>
         <p:spPr>
           <a:xfrm>
-            <a:off x="6549765" y="2362200"/>
+            <a:off x="6747557" y="2362200"/>
             <a:ext cx="841636" cy="300180"/>
           </a:xfrm>
           <a:prstGeom prst="rect">
@@ -4688,7 +4689,7 @@
         </p:nvCxnSpPr>
         <p:spPr>
           <a:xfrm flipH="1">
-            <a:off x="6986491" y="2653306"/>
+            <a:off x="7184283" y="2653306"/>
             <a:ext cx="3959" cy="1735710"/>
           </a:xfrm>
           <a:prstGeom prst="line">
@@ -4725,7 +4726,7 @@
         </p:nvSpPr>
         <p:spPr>
           <a:xfrm>
-            <a:off x="6887527" y="2958106"/>
+            <a:off x="7085319" y="2958106"/>
             <a:ext cx="168896" cy="775693"/>
           </a:xfrm>
           <a:prstGeom prst="rect">
@@ -4775,7 +4776,7 @@
         <p:spPr>
           <a:xfrm>
             <a:off x="5685755" y="2975344"/>
-            <a:ext cx="1210345" cy="0"/>
+            <a:ext cx="1399564" cy="0"/>
           </a:xfrm>
           <a:prstGeom prst="straightConnector1">
             <a:avLst/>
@@ -5057,8 +5058,8 @@
         </p:nvSpPr>
         <p:spPr>
           <a:xfrm>
-            <a:off x="8769530" y="3267337"/>
-            <a:ext cx="2120786" cy="184666"/>
+            <a:off x="8808392" y="3267337"/>
+            <a:ext cx="2393008" cy="184666"/>
           </a:xfrm>
           <a:prstGeom prst="rect">
             <a:avLst/>
@@ -5104,7 +5105,7 @@
                   <a:srgbClr val="7030A0"/>
                 </a:solidFill>
               </a:rPr>
-              <a:t>ReadOnlyAddressBook</a:t>
+              <a:t>ReadOnlyModulePlanner</a:t>
             </a:r>
             <a:r>
               <a:rPr lang="en-US" sz="1200" dirty="0">
@@ -5134,7 +5135,7 @@
         </p:nvCxnSpPr>
         <p:spPr>
           <a:xfrm>
-            <a:off x="8588043" y="2871355"/>
+            <a:off x="8785835" y="2871355"/>
             <a:ext cx="17996" cy="1467648"/>
           </a:xfrm>
           <a:prstGeom prst="line">
@@ -5171,7 +5172,7 @@
         </p:nvSpPr>
         <p:spPr>
           <a:xfrm>
-            <a:off x="7667691" y="2975344"/>
+            <a:off x="7865483" y="2975344"/>
             <a:ext cx="551687" cy="184666"/>
           </a:xfrm>
           <a:prstGeom prst="rect">
@@ -5228,7 +5229,7 @@
         </p:nvCxnSpPr>
         <p:spPr>
           <a:xfrm rot="16200000" flipH="1">
-            <a:off x="8527578" y="3220579"/>
+            <a:off x="8725370" y="3220579"/>
             <a:ext cx="156923" cy="76200"/>
           </a:xfrm>
           <a:prstGeom prst="curvedConnector4">
@@ -5269,7 +5270,7 @@
         </p:nvCxnSpPr>
         <p:spPr>
           <a:xfrm>
-            <a:off x="7043991" y="3182839"/>
+            <a:off x="7241783" y="3182839"/>
             <a:ext cx="1470216" cy="0"/>
           </a:xfrm>
           <a:prstGeom prst="straightConnector1">
@@ -5313,7 +5314,7 @@
         </p:nvCxnSpPr>
         <p:spPr>
           <a:xfrm flipV="1">
-            <a:off x="7043991" y="3564914"/>
+            <a:off x="7241783" y="3564914"/>
             <a:ext cx="1470216" cy="6325"/>
           </a:xfrm>
           <a:prstGeom prst="straightConnector1">
@@ -5360,8 +5361,8 @@
         </p:nvCxnSpPr>
         <p:spPr>
           <a:xfrm>
-            <a:off x="5675919" y="3733799"/>
-            <a:ext cx="1296056" cy="0"/>
+            <a:off x="5685755" y="3733799"/>
+            <a:ext cx="1484012" cy="0"/>
           </a:xfrm>
           <a:prstGeom prst="straightConnector1">
             <a:avLst/>
